--- a/files/bg.pptx
+++ b/files/bg.pptx
@@ -243,7 +243,7 @@
           <a:p>
             <a:fld id="{7CB80738-4A87-412D-B008-D92791F34166}" type="datetimeFigureOut">
               <a:rPr lang="en-US" smtClean="0"/>
-              <a:t>06-Jul-25</a:t>
+              <a:t>07-Jul-25</a:t>
             </a:fld>
             <a:endParaRPr lang="en-US"/>
           </a:p>
@@ -413,7 +413,7 @@
           <a:p>
             <a:fld id="{7CB80738-4A87-412D-B008-D92791F34166}" type="datetimeFigureOut">
               <a:rPr lang="en-US" smtClean="0"/>
-              <a:t>06-Jul-25</a:t>
+              <a:t>07-Jul-25</a:t>
             </a:fld>
             <a:endParaRPr lang="en-US"/>
           </a:p>
@@ -593,7 +593,7 @@
           <a:p>
             <a:fld id="{7CB80738-4A87-412D-B008-D92791F34166}" type="datetimeFigureOut">
               <a:rPr lang="en-US" smtClean="0"/>
-              <a:t>06-Jul-25</a:t>
+              <a:t>07-Jul-25</a:t>
             </a:fld>
             <a:endParaRPr lang="en-US"/>
           </a:p>
@@ -763,7 +763,7 @@
           <a:p>
             <a:fld id="{7CB80738-4A87-412D-B008-D92791F34166}" type="datetimeFigureOut">
               <a:rPr lang="en-US" smtClean="0"/>
-              <a:t>06-Jul-25</a:t>
+              <a:t>07-Jul-25</a:t>
             </a:fld>
             <a:endParaRPr lang="en-US"/>
           </a:p>
@@ -1009,7 +1009,7 @@
           <a:p>
             <a:fld id="{7CB80738-4A87-412D-B008-D92791F34166}" type="datetimeFigureOut">
               <a:rPr lang="en-US" smtClean="0"/>
-              <a:t>06-Jul-25</a:t>
+              <a:t>07-Jul-25</a:t>
             </a:fld>
             <a:endParaRPr lang="en-US"/>
           </a:p>
@@ -1241,7 +1241,7 @@
           <a:p>
             <a:fld id="{7CB80738-4A87-412D-B008-D92791F34166}" type="datetimeFigureOut">
               <a:rPr lang="en-US" smtClean="0"/>
-              <a:t>06-Jul-25</a:t>
+              <a:t>07-Jul-25</a:t>
             </a:fld>
             <a:endParaRPr lang="en-US"/>
           </a:p>
@@ -1608,7 +1608,7 @@
           <a:p>
             <a:fld id="{7CB80738-4A87-412D-B008-D92791F34166}" type="datetimeFigureOut">
               <a:rPr lang="en-US" smtClean="0"/>
-              <a:t>06-Jul-25</a:t>
+              <a:t>07-Jul-25</a:t>
             </a:fld>
             <a:endParaRPr lang="en-US"/>
           </a:p>
@@ -1726,7 +1726,7 @@
           <a:p>
             <a:fld id="{7CB80738-4A87-412D-B008-D92791F34166}" type="datetimeFigureOut">
               <a:rPr lang="en-US" smtClean="0"/>
-              <a:t>06-Jul-25</a:t>
+              <a:t>07-Jul-25</a:t>
             </a:fld>
             <a:endParaRPr lang="en-US"/>
           </a:p>
@@ -1821,7 +1821,7 @@
           <a:p>
             <a:fld id="{7CB80738-4A87-412D-B008-D92791F34166}" type="datetimeFigureOut">
               <a:rPr lang="en-US" smtClean="0"/>
-              <a:t>06-Jul-25</a:t>
+              <a:t>07-Jul-25</a:t>
             </a:fld>
             <a:endParaRPr lang="en-US"/>
           </a:p>
@@ -2098,7 +2098,7 @@
           <a:p>
             <a:fld id="{7CB80738-4A87-412D-B008-D92791F34166}" type="datetimeFigureOut">
               <a:rPr lang="en-US" smtClean="0"/>
-              <a:t>06-Jul-25</a:t>
+              <a:t>07-Jul-25</a:t>
             </a:fld>
             <a:endParaRPr lang="en-US"/>
           </a:p>
@@ -2351,7 +2351,7 @@
           <a:p>
             <a:fld id="{7CB80738-4A87-412D-B008-D92791F34166}" type="datetimeFigureOut">
               <a:rPr lang="en-US" smtClean="0"/>
-              <a:t>06-Jul-25</a:t>
+              <a:t>07-Jul-25</a:t>
             </a:fld>
             <a:endParaRPr lang="en-US"/>
           </a:p>
@@ -2564,7 +2564,7 @@
           <a:p>
             <a:fld id="{7CB80738-4A87-412D-B008-D92791F34166}" type="datetimeFigureOut">
               <a:rPr lang="en-US" smtClean="0"/>
-              <a:t>06-Jul-25</a:t>
+              <a:t>07-Jul-25</a:t>
             </a:fld>
             <a:endParaRPr lang="en-US"/>
           </a:p>
@@ -2994,9 +2994,7 @@
           <a:noFill/>
           <a:ln w="28575">
             <a:solidFill>
-              <a:schemeClr val="accent2">
-                <a:lumMod val="75000"/>
-              </a:schemeClr>
+              <a:srgbClr val="F89A7E"/>
             </a:solidFill>
           </a:ln>
         </p:spPr>
@@ -3042,7 +3040,7 @@
           <a:noFill/>
           <a:ln w="28575">
             <a:solidFill>
-              <a:srgbClr val="CA5514"/>
+              <a:srgbClr val="F89A7E"/>
             </a:solidFill>
           </a:ln>
         </p:spPr>
@@ -3088,7 +3086,7 @@
           <a:noFill/>
           <a:ln w="28575">
             <a:solidFill>
-              <a:srgbClr val="CA5514"/>
+              <a:srgbClr val="F89A7E"/>
             </a:solidFill>
           </a:ln>
         </p:spPr>
@@ -3134,7 +3132,7 @@
           <a:noFill/>
           <a:ln w="28575">
             <a:solidFill>
-              <a:srgbClr val="CA5514"/>
+              <a:srgbClr val="F89A7E"/>
             </a:solidFill>
           </a:ln>
         </p:spPr>
@@ -3172,7 +3170,7 @@
         <p:spPr>
           <a:xfrm>
             <a:off x="0" y="4365938"/>
-            <a:ext cx="5422006" cy="2163651"/>
+            <a:ext cx="5422006" cy="2369713"/>
           </a:xfrm>
           <a:prstGeom prst="rect">
             <a:avLst/>
@@ -3180,7 +3178,7 @@
           <a:noFill/>
           <a:ln w="28575">
             <a:solidFill>
-              <a:srgbClr val="CA5514"/>
+              <a:srgbClr val="F89A7E"/>
             </a:solidFill>
           </a:ln>
         </p:spPr>
@@ -3218,7 +3216,7 @@
         <p:spPr>
           <a:xfrm>
             <a:off x="5577741" y="4365938"/>
-            <a:ext cx="4893972" cy="2163651"/>
+            <a:ext cx="4893972" cy="2369713"/>
           </a:xfrm>
           <a:prstGeom prst="rect">
             <a:avLst/>
@@ -3226,7 +3224,7 @@
           <a:noFill/>
           <a:ln w="28575">
             <a:solidFill>
-              <a:srgbClr val="CA5514"/>
+              <a:srgbClr val="F89A7E"/>
             </a:solidFill>
           </a:ln>
         </p:spPr>
@@ -3270,11 +3268,11 @@
             <a:avLst/>
           </a:prstGeom>
           <a:solidFill>
-            <a:srgbClr val="CA5514"/>
+            <a:srgbClr val="F89A7E"/>
           </a:solidFill>
           <a:ln>
             <a:solidFill>
-              <a:srgbClr val="CA5514"/>
+              <a:srgbClr val="F89A7E"/>
             </a:solidFill>
           </a:ln>
         </p:spPr>
@@ -3318,11 +3316,11 @@
             <a:avLst/>
           </a:prstGeom>
           <a:solidFill>
-            <a:srgbClr val="CA5514"/>
+            <a:srgbClr val="F89A7E"/>
           </a:solidFill>
           <a:ln>
             <a:solidFill>
-              <a:srgbClr val="CA5514"/>
+              <a:srgbClr val="F89A7E"/>
             </a:solidFill>
           </a:ln>
         </p:spPr>
@@ -3366,11 +3364,11 @@
             <a:avLst/>
           </a:prstGeom>
           <a:solidFill>
-            <a:srgbClr val="CA5514"/>
+            <a:srgbClr val="F89A7E"/>
           </a:solidFill>
           <a:ln>
             <a:solidFill>
-              <a:srgbClr val="CA5514"/>
+              <a:srgbClr val="F89A7E"/>
             </a:solidFill>
           </a:ln>
         </p:spPr>
@@ -3414,7 +3412,7 @@
             <a:avLst/>
           </a:prstGeom>
           <a:solidFill>
-            <a:srgbClr val="CA5514"/>
+            <a:srgbClr val="F89A7E"/>
           </a:solidFill>
           <a:ln>
             <a:noFill/>
@@ -3460,11 +3458,11 @@
             <a:avLst/>
           </a:prstGeom>
           <a:solidFill>
-            <a:srgbClr val="CA5514"/>
+            <a:srgbClr val="F89A7E"/>
           </a:solidFill>
           <a:ln>
             <a:solidFill>
-              <a:srgbClr val="CA5514"/>
+              <a:srgbClr val="F89A7E"/>
             </a:solidFill>
           </a:ln>
         </p:spPr>
@@ -3508,7 +3506,7 @@
             <a:avLst/>
           </a:prstGeom>
           <a:solidFill>
-            <a:srgbClr val="CA5514"/>
+            <a:srgbClr val="F89A7E"/>
           </a:solidFill>
           <a:ln>
             <a:noFill/>
@@ -3565,10 +3563,7 @@
             <a:r>
               <a:rPr lang="en-US" sz="2200" dirty="0" smtClean="0">
                 <a:solidFill>
-                  <a:schemeClr val="accent2">
-                    <a:lumMod val="60000"/>
-                    <a:lumOff val="40000"/>
-                  </a:schemeClr>
+                  <a:srgbClr val="F8BBA9"/>
                 </a:solidFill>
                 <a:latin typeface="Eras Bold ITC" panose="020B0907030504020204" pitchFamily="34" charset="0"/>
               </a:rPr>
@@ -3576,10 +3571,7 @@
             </a:r>
             <a:endParaRPr lang="en-US" sz="2200" dirty="0">
               <a:solidFill>
-                <a:schemeClr val="accent2">
-                  <a:lumMod val="60000"/>
-                  <a:lumOff val="40000"/>
-                </a:schemeClr>
+                <a:srgbClr val="F8BBA9"/>
               </a:solidFill>
               <a:latin typeface="Eras Bold ITC" panose="020B0907030504020204" pitchFamily="34" charset="0"/>
             </a:endParaRPr>

--- a/files/bg.pptx
+++ b/files/bg.pptx
@@ -3545,8 +3545,8 @@
         </p:nvSpPr>
         <p:spPr>
           <a:xfrm>
-            <a:off x="52111" y="109756"/>
-            <a:ext cx="5415355" cy="769441"/>
+            <a:off x="1313645" y="17352"/>
+            <a:ext cx="3531924" cy="307777"/>
           </a:xfrm>
           <a:prstGeom prst="rect">
             <a:avLst/>
@@ -3561,15 +3561,24 @@
           <a:p>
             <a:pPr algn="ctr"/>
             <a:r>
-              <a:rPr lang="en-US" sz="2200" dirty="0" smtClean="0">
+              <a:rPr lang="en-US" sz="1400" dirty="0" smtClean="0">
                 <a:solidFill>
                   <a:srgbClr val="F8BBA9"/>
                 </a:solidFill>
                 <a:latin typeface="Eras Bold ITC" panose="020B0907030504020204" pitchFamily="34" charset="0"/>
               </a:rPr>
-              <a:t>Bangladesh Crime Data Analysis From 2010 – 2019 </a:t>
-            </a:r>
-            <a:endParaRPr lang="en-US" sz="2200" dirty="0">
+              <a:t>Bangladesh Crime Data </a:t>
+            </a:r>
+            <a:r>
+              <a:rPr lang="en-US" sz="1400" dirty="0" smtClean="0">
+                <a:solidFill>
+                  <a:srgbClr val="F8BBA9"/>
+                </a:solidFill>
+                <a:latin typeface="Eras Bold ITC" panose="020B0907030504020204" pitchFamily="34" charset="0"/>
+              </a:rPr>
+              <a:t>Analysis</a:t>
+            </a:r>
+            <a:endParaRPr lang="en-US" sz="1400" dirty="0">
               <a:solidFill>
                 <a:srgbClr val="F8BBA9"/>
               </a:solidFill>
@@ -3578,6 +3587,220 @@
           </a:p>
         </p:txBody>
       </p:sp>
+      <p:grpSp>
+        <p:nvGrpSpPr>
+          <p:cNvPr id="5" name="Group 4"/>
+          <p:cNvGrpSpPr/>
+          <p:nvPr/>
+        </p:nvGrpSpPr>
+        <p:grpSpPr>
+          <a:xfrm>
+            <a:off x="528032" y="521395"/>
+            <a:ext cx="1865376" cy="527786"/>
+            <a:chOff x="528032" y="521395"/>
+            <a:chExt cx="1865376" cy="527786"/>
+          </a:xfrm>
+        </p:grpSpPr>
+        <p:sp>
+          <p:nvSpPr>
+            <p:cNvPr id="4" name="Rectangle 3"/>
+            <p:cNvSpPr/>
+            <p:nvPr/>
+          </p:nvSpPr>
+          <p:spPr>
+            <a:xfrm>
+              <a:off x="528032" y="521395"/>
+              <a:ext cx="1865376" cy="203441"/>
+            </a:xfrm>
+            <a:prstGeom prst="rect">
+              <a:avLst/>
+            </a:prstGeom>
+            <a:solidFill>
+              <a:srgbClr val="F89A7E"/>
+            </a:solidFill>
+            <a:ln>
+              <a:noFill/>
+            </a:ln>
+          </p:spPr>
+          <p:style>
+            <a:lnRef idx="2">
+              <a:schemeClr val="accent1">
+                <a:shade val="50000"/>
+              </a:schemeClr>
+            </a:lnRef>
+            <a:fillRef idx="1">
+              <a:schemeClr val="accent1"/>
+            </a:fillRef>
+            <a:effectRef idx="0">
+              <a:schemeClr val="accent1"/>
+            </a:effectRef>
+            <a:fontRef idx="minor">
+              <a:schemeClr val="lt1"/>
+            </a:fontRef>
+          </p:style>
+          <p:txBody>
+            <a:bodyPr rtlCol="0" anchor="ctr"/>
+            <a:lstStyle/>
+            <a:p>
+              <a:pPr algn="ctr"/>
+              <a:endParaRPr lang="en-US"/>
+            </a:p>
+          </p:txBody>
+        </p:sp>
+        <p:sp>
+          <p:nvSpPr>
+            <p:cNvPr id="26" name="Rectangle 25"/>
+            <p:cNvSpPr/>
+            <p:nvPr/>
+          </p:nvSpPr>
+          <p:spPr>
+            <a:xfrm>
+              <a:off x="528033" y="724836"/>
+              <a:ext cx="1841679" cy="324345"/>
+            </a:xfrm>
+            <a:prstGeom prst="rect">
+              <a:avLst/>
+            </a:prstGeom>
+            <a:noFill/>
+            <a:ln>
+              <a:solidFill>
+                <a:srgbClr val="F89A7E"/>
+              </a:solidFill>
+            </a:ln>
+          </p:spPr>
+          <p:style>
+            <a:lnRef idx="2">
+              <a:schemeClr val="accent1">
+                <a:shade val="50000"/>
+              </a:schemeClr>
+            </a:lnRef>
+            <a:fillRef idx="1">
+              <a:schemeClr val="accent1"/>
+            </a:fillRef>
+            <a:effectRef idx="0">
+              <a:schemeClr val="accent1"/>
+            </a:effectRef>
+            <a:fontRef idx="minor">
+              <a:schemeClr val="lt1"/>
+            </a:fontRef>
+          </p:style>
+          <p:txBody>
+            <a:bodyPr rtlCol="0" anchor="ctr"/>
+            <a:lstStyle/>
+            <a:p>
+              <a:pPr algn="ctr"/>
+              <a:endParaRPr lang="en-US"/>
+            </a:p>
+          </p:txBody>
+        </p:sp>
+      </p:grpSp>
+      <p:grpSp>
+        <p:nvGrpSpPr>
+          <p:cNvPr id="27" name="Group 26"/>
+          <p:cNvGrpSpPr/>
+          <p:nvPr/>
+        </p:nvGrpSpPr>
+        <p:grpSpPr>
+          <a:xfrm>
+            <a:off x="3547003" y="521395"/>
+            <a:ext cx="1865376" cy="527786"/>
+            <a:chOff x="528032" y="521395"/>
+            <a:chExt cx="1865376" cy="527786"/>
+          </a:xfrm>
+        </p:grpSpPr>
+        <p:sp>
+          <p:nvSpPr>
+            <p:cNvPr id="28" name="Rectangle 27"/>
+            <p:cNvSpPr/>
+            <p:nvPr/>
+          </p:nvSpPr>
+          <p:spPr>
+            <a:xfrm>
+              <a:off x="528032" y="521395"/>
+              <a:ext cx="1865376" cy="203441"/>
+            </a:xfrm>
+            <a:prstGeom prst="rect">
+              <a:avLst/>
+            </a:prstGeom>
+            <a:solidFill>
+              <a:srgbClr val="F89A7E"/>
+            </a:solidFill>
+            <a:ln>
+              <a:noFill/>
+            </a:ln>
+          </p:spPr>
+          <p:style>
+            <a:lnRef idx="2">
+              <a:schemeClr val="accent1">
+                <a:shade val="50000"/>
+              </a:schemeClr>
+            </a:lnRef>
+            <a:fillRef idx="1">
+              <a:schemeClr val="accent1"/>
+            </a:fillRef>
+            <a:effectRef idx="0">
+              <a:schemeClr val="accent1"/>
+            </a:effectRef>
+            <a:fontRef idx="minor">
+              <a:schemeClr val="lt1"/>
+            </a:fontRef>
+          </p:style>
+          <p:txBody>
+            <a:bodyPr rtlCol="0" anchor="ctr"/>
+            <a:lstStyle/>
+            <a:p>
+              <a:pPr algn="ctr"/>
+              <a:endParaRPr lang="en-US"/>
+            </a:p>
+          </p:txBody>
+        </p:sp>
+        <p:sp>
+          <p:nvSpPr>
+            <p:cNvPr id="29" name="Rectangle 28"/>
+            <p:cNvSpPr/>
+            <p:nvPr/>
+          </p:nvSpPr>
+          <p:spPr>
+            <a:xfrm>
+              <a:off x="528033" y="724836"/>
+              <a:ext cx="1841679" cy="324345"/>
+            </a:xfrm>
+            <a:prstGeom prst="rect">
+              <a:avLst/>
+            </a:prstGeom>
+            <a:noFill/>
+            <a:ln>
+              <a:solidFill>
+                <a:srgbClr val="F89A7E"/>
+              </a:solidFill>
+            </a:ln>
+          </p:spPr>
+          <p:style>
+            <a:lnRef idx="2">
+              <a:schemeClr val="accent1">
+                <a:shade val="50000"/>
+              </a:schemeClr>
+            </a:lnRef>
+            <a:fillRef idx="1">
+              <a:schemeClr val="accent1"/>
+            </a:fillRef>
+            <a:effectRef idx="0">
+              <a:schemeClr val="accent1"/>
+            </a:effectRef>
+            <a:fontRef idx="minor">
+              <a:schemeClr val="lt1"/>
+            </a:fontRef>
+          </p:style>
+          <p:txBody>
+            <a:bodyPr rtlCol="0" anchor="ctr"/>
+            <a:lstStyle/>
+            <a:p>
+              <a:pPr algn="ctr"/>
+              <a:endParaRPr lang="en-US"/>
+            </a:p>
+          </p:txBody>
+        </p:sp>
+      </p:grpSp>
     </p:spTree>
     <p:extLst>
       <p:ext uri="{BB962C8B-B14F-4D97-AF65-F5344CB8AC3E}">
